--- a/content/u18/cse331/media/slides/Dijkstra.pptx
+++ b/content/u18/cse331/media/slides/Dijkstra.pptx
@@ -14,7 +14,6 @@
     <p:sldId id="262" r:id="rId8"/>
     <p:sldId id="263" r:id="rId9"/>
     <p:sldId id="264" r:id="rId10"/>
-    <p:sldId id="265" r:id="rId11"/>
   </p:sldIdLst>
   <p:sldSz cx="9144000" cy="6858000" type="screen4x3"/>
   <p:notesSz cx="6858000" cy="9144000"/>
@@ -294,7 +293,7 @@
           <a:lstStyle/>
           <a:p>
             <a:fld id="{FAB01A9D-F57C-4547-8FD3-A3844D0961BA}" type="datetimeFigureOut">
-              <a:t>6/4/18</a:t>
+              <a:t>6/12/18</a:t>
             </a:fld>
             <a:endParaRPr lang="en-US"/>
           </a:p>
@@ -460,7 +459,7 @@
           <a:lstStyle/>
           <a:p>
             <a:fld id="{FAB01A9D-F57C-4547-8FD3-A3844D0961BA}" type="datetimeFigureOut">
-              <a:t>6/4/18</a:t>
+              <a:t>6/12/18</a:t>
             </a:fld>
             <a:endParaRPr lang="en-US"/>
           </a:p>
@@ -636,7 +635,7 @@
           <a:lstStyle/>
           <a:p>
             <a:fld id="{FAB01A9D-F57C-4547-8FD3-A3844D0961BA}" type="datetimeFigureOut">
-              <a:t>6/4/18</a:t>
+              <a:t>6/12/18</a:t>
             </a:fld>
             <a:endParaRPr lang="en-US"/>
           </a:p>
@@ -802,7 +801,7 @@
           <a:lstStyle/>
           <a:p>
             <a:fld id="{FAB01A9D-F57C-4547-8FD3-A3844D0961BA}" type="datetimeFigureOut">
-              <a:t>6/4/18</a:t>
+              <a:t>6/12/18</a:t>
             </a:fld>
             <a:endParaRPr lang="en-US"/>
           </a:p>
@@ -1045,7 +1044,7 @@
           <a:lstStyle/>
           <a:p>
             <a:fld id="{FAB01A9D-F57C-4547-8FD3-A3844D0961BA}" type="datetimeFigureOut">
-              <a:t>6/4/18</a:t>
+              <a:t>6/12/18</a:t>
             </a:fld>
             <a:endParaRPr lang="en-US"/>
           </a:p>
@@ -1328,7 +1327,7 @@
           <a:lstStyle/>
           <a:p>
             <a:fld id="{FAB01A9D-F57C-4547-8FD3-A3844D0961BA}" type="datetimeFigureOut">
-              <a:t>6/4/18</a:t>
+              <a:t>6/12/18</a:t>
             </a:fld>
             <a:endParaRPr lang="en-US"/>
           </a:p>
@@ -1745,7 +1744,7 @@
           <a:lstStyle/>
           <a:p>
             <a:fld id="{FAB01A9D-F57C-4547-8FD3-A3844D0961BA}" type="datetimeFigureOut">
-              <a:t>6/4/18</a:t>
+              <a:t>6/12/18</a:t>
             </a:fld>
             <a:endParaRPr lang="en-US"/>
           </a:p>
@@ -1860,7 +1859,7 @@
           <a:lstStyle/>
           <a:p>
             <a:fld id="{FAB01A9D-F57C-4547-8FD3-A3844D0961BA}" type="datetimeFigureOut">
-              <a:t>6/4/18</a:t>
+              <a:t>6/12/18</a:t>
             </a:fld>
             <a:endParaRPr lang="en-US"/>
           </a:p>
@@ -1953,7 +1952,7 @@
           <a:lstStyle/>
           <a:p>
             <a:fld id="{FAB01A9D-F57C-4547-8FD3-A3844D0961BA}" type="datetimeFigureOut">
-              <a:t>6/4/18</a:t>
+              <a:t>6/12/18</a:t>
             </a:fld>
             <a:endParaRPr lang="en-US"/>
           </a:p>
@@ -2226,7 +2225,7 @@
           <a:lstStyle/>
           <a:p>
             <a:fld id="{FAB01A9D-F57C-4547-8FD3-A3844D0961BA}" type="datetimeFigureOut">
-              <a:t>6/4/18</a:t>
+              <a:t>6/12/18</a:t>
             </a:fld>
             <a:endParaRPr lang="en-US"/>
           </a:p>
@@ -2476,7 +2475,7 @@
           <a:lstStyle/>
           <a:p>
             <a:fld id="{FAB01A9D-F57C-4547-8FD3-A3844D0961BA}" type="datetimeFigureOut">
-              <a:t>6/4/18</a:t>
+              <a:t>6/12/18</a:t>
             </a:fld>
             <a:endParaRPr lang="en-US"/>
           </a:p>
@@ -2685,7 +2684,7 @@
           </a:lstStyle>
           <a:p>
             <a:fld id="{FAB01A9D-F57C-4547-8FD3-A3844D0961BA}" type="datetimeFigureOut">
-              <a:t>6/4/18</a:t>
+              <a:t>6/12/18</a:t>
             </a:fld>
             <a:endParaRPr lang="en-US"/>
           </a:p>
@@ -3113,409 +3112,6 @@
   <p:clrMapOvr>
     <a:masterClrMapping/>
   </p:clrMapOvr>
-</p:sld>
-</file>
-
-<file path=ppt/slides/slide10.xml><?xml version="1.0" encoding="utf-8"?>
-<p:sld xmlns:a="http://schemas.openxmlformats.org/drawingml/2006/main" xmlns:r="http://schemas.openxmlformats.org/officeDocument/2006/relationships" xmlns:p="http://schemas.openxmlformats.org/presentationml/2006/main">
-  <p:cSld>
-    <p:spTree>
-      <p:nvGrpSpPr>
-        <p:cNvPr id="1" name=""/>
-        <p:cNvGrpSpPr/>
-        <p:nvPr/>
-      </p:nvGrpSpPr>
-      <p:grpSpPr>
-        <a:xfrm>
-          <a:off x="0" y="0"/>
-          <a:ext cx="0" cy="0"/>
-          <a:chOff x="0" y="0"/>
-          <a:chExt cx="0" cy="0"/>
-        </a:xfrm>
-      </p:grpSpPr>
-      <p:sp>
-        <p:nvSpPr>
-          <p:cNvPr id="22529" name="Title 1"/>
-          <p:cNvSpPr>
-            <a:spLocks noGrp="1"/>
-          </p:cNvSpPr>
-          <p:nvPr>
-            <p:ph type="title"/>
-          </p:nvPr>
-        </p:nvSpPr>
-        <p:spPr/>
-        <p:txBody>
-          <a:bodyPr/>
-          <a:lstStyle/>
-          <a:p>
-            <a:r>
-              <a:rPr lang="en-US">
-                <a:latin typeface="Calibri" charset="0"/>
-                <a:ea typeface="ＭＳ Ｐゴシック" charset="0"/>
-                <a:cs typeface="ＭＳ Ｐゴシック" charset="0"/>
-              </a:rPr>
-              <a:t>Next Time</a:t>
-            </a:r>
-          </a:p>
-        </p:txBody>
-      </p:sp>
-      <p:sp>
-        <p:nvSpPr>
-          <p:cNvPr id="22530" name="TextBox 2"/>
-          <p:cNvSpPr txBox="1">
-            <a:spLocks noChangeArrowheads="1"/>
-          </p:cNvSpPr>
-          <p:nvPr/>
-        </p:nvSpPr>
-        <p:spPr bwMode="auto">
-          <a:xfrm>
-            <a:off x="1114425" y="4595813"/>
-            <a:ext cx="4708525" cy="369887"/>
-          </a:xfrm>
-          <a:prstGeom prst="rect">
-            <a:avLst/>
-          </a:prstGeom>
-          <a:noFill/>
-          <a:ln>
-            <a:noFill/>
-          </a:ln>
-          <a:extLst>
-            <a:ext uri="{909E8E84-426E-40dd-AFC4-6F175D3DCCD1}">
-              <a14:hiddenFill xmlns:a14="http://schemas.microsoft.com/office/drawing/2010/main">
-                <a:solidFill>
-                  <a:srgbClr val="FFFFFF"/>
-                </a:solidFill>
-              </a14:hiddenFill>
-            </a:ext>
-            <a:ext uri="{91240B29-F687-4f45-9708-019B960494DF}">
-              <a14:hiddenLine xmlns:a14="http://schemas.microsoft.com/office/drawing/2010/main" w="9525">
-                <a:solidFill>
-                  <a:srgbClr val="000000"/>
-                </a:solidFill>
-                <a:miter lim="800000"/>
-                <a:headEnd/>
-                <a:tailEnd/>
-              </a14:hiddenLine>
-            </a:ext>
-          </a:extLst>
-        </p:spPr>
-        <p:txBody>
-          <a:bodyPr wrap="none">
-            <a:spAutoFit/>
-          </a:bodyPr>
-          <a:lstStyle>
-            <a:lvl1pPr eaLnBrk="0" hangingPunct="0">
-              <a:defRPr sz="2400">
-                <a:solidFill>
-                  <a:schemeClr val="tx1"/>
-                </a:solidFill>
-                <a:latin typeface="Arial" charset="0"/>
-                <a:ea typeface="ＭＳ Ｐゴシック" charset="0"/>
-                <a:cs typeface="ＭＳ Ｐゴシック" charset="0"/>
-              </a:defRPr>
-            </a:lvl1pPr>
-            <a:lvl2pPr marL="742950" indent="-285750" eaLnBrk="0" hangingPunct="0">
-              <a:defRPr sz="2400">
-                <a:solidFill>
-                  <a:schemeClr val="tx1"/>
-                </a:solidFill>
-                <a:latin typeface="Arial" charset="0"/>
-                <a:ea typeface="ＭＳ Ｐゴシック" charset="0"/>
-              </a:defRPr>
-            </a:lvl2pPr>
-            <a:lvl3pPr marL="1143000" indent="-228600" eaLnBrk="0" hangingPunct="0">
-              <a:defRPr sz="2400">
-                <a:solidFill>
-                  <a:schemeClr val="tx1"/>
-                </a:solidFill>
-                <a:latin typeface="Arial" charset="0"/>
-                <a:ea typeface="ＭＳ Ｐゴシック" charset="0"/>
-              </a:defRPr>
-            </a:lvl3pPr>
-            <a:lvl4pPr marL="1600200" indent="-228600" eaLnBrk="0" hangingPunct="0">
-              <a:defRPr sz="2400">
-                <a:solidFill>
-                  <a:schemeClr val="tx1"/>
-                </a:solidFill>
-                <a:latin typeface="Arial" charset="0"/>
-                <a:ea typeface="ＭＳ Ｐゴシック" charset="0"/>
-              </a:defRPr>
-            </a:lvl4pPr>
-            <a:lvl5pPr marL="2057400" indent="-228600" eaLnBrk="0" hangingPunct="0">
-              <a:defRPr sz="2400">
-                <a:solidFill>
-                  <a:schemeClr val="tx1"/>
-                </a:solidFill>
-                <a:latin typeface="Arial" charset="0"/>
-                <a:ea typeface="ＭＳ Ｐゴシック" charset="0"/>
-              </a:defRPr>
-            </a:lvl5pPr>
-            <a:lvl6pPr marL="2514600" indent="-228600" eaLnBrk="0" fontAlgn="base" hangingPunct="0">
-              <a:spcBef>
-                <a:spcPct val="0"/>
-              </a:spcBef>
-              <a:spcAft>
-                <a:spcPct val="0"/>
-              </a:spcAft>
-              <a:defRPr sz="2400">
-                <a:solidFill>
-                  <a:schemeClr val="tx1"/>
-                </a:solidFill>
-                <a:latin typeface="Arial" charset="0"/>
-                <a:ea typeface="ＭＳ Ｐゴシック" charset="0"/>
-              </a:defRPr>
-            </a:lvl6pPr>
-            <a:lvl7pPr marL="2971800" indent="-228600" eaLnBrk="0" fontAlgn="base" hangingPunct="0">
-              <a:spcBef>
-                <a:spcPct val="0"/>
-              </a:spcBef>
-              <a:spcAft>
-                <a:spcPct val="0"/>
-              </a:spcAft>
-              <a:defRPr sz="2400">
-                <a:solidFill>
-                  <a:schemeClr val="tx1"/>
-                </a:solidFill>
-                <a:latin typeface="Arial" charset="0"/>
-                <a:ea typeface="ＭＳ Ｐゴシック" charset="0"/>
-              </a:defRPr>
-            </a:lvl7pPr>
-            <a:lvl8pPr marL="3429000" indent="-228600" eaLnBrk="0" fontAlgn="base" hangingPunct="0">
-              <a:spcBef>
-                <a:spcPct val="0"/>
-              </a:spcBef>
-              <a:spcAft>
-                <a:spcPct val="0"/>
-              </a:spcAft>
-              <a:defRPr sz="2400">
-                <a:solidFill>
-                  <a:schemeClr val="tx1"/>
-                </a:solidFill>
-                <a:latin typeface="Arial" charset="0"/>
-                <a:ea typeface="ＭＳ Ｐゴシック" charset="0"/>
-              </a:defRPr>
-            </a:lvl8pPr>
-            <a:lvl9pPr marL="3886200" indent="-228600" eaLnBrk="0" fontAlgn="base" hangingPunct="0">
-              <a:spcBef>
-                <a:spcPct val="0"/>
-              </a:spcBef>
-              <a:spcAft>
-                <a:spcPct val="0"/>
-              </a:spcAft>
-              <a:defRPr sz="2400">
-                <a:solidFill>
-                  <a:schemeClr val="tx1"/>
-                </a:solidFill>
-                <a:latin typeface="Arial" charset="0"/>
-                <a:ea typeface="ＭＳ Ｐゴシック" charset="0"/>
-              </a:defRPr>
-            </a:lvl9pPr>
-          </a:lstStyle>
-          <a:p>
-            <a:pPr eaLnBrk="1" hangingPunct="1"/>
-            <a:r>
-              <a:rPr lang="en-US" sz="1800"/>
-              <a:t>Prove the correctness of Dijkstra</a:t>
-            </a:r>
-            <a:r>
-              <a:rPr lang="ja-JP" altLang="en-US" sz="1800"/>
-              <a:t>’</a:t>
-            </a:r>
-            <a:r>
-              <a:rPr lang="en-US" altLang="ja-JP" sz="1800"/>
-              <a:t>s Algorithm</a:t>
-            </a:r>
-            <a:endParaRPr lang="en-US" sz="1800"/>
-          </a:p>
-        </p:txBody>
-      </p:sp>
-      <p:sp>
-        <p:nvSpPr>
-          <p:cNvPr id="22531" name="TextBox 3"/>
-          <p:cNvSpPr txBox="1">
-            <a:spLocks noChangeArrowheads="1"/>
-          </p:cNvSpPr>
-          <p:nvPr/>
-        </p:nvSpPr>
-        <p:spPr bwMode="auto">
-          <a:xfrm>
-            <a:off x="1114425" y="2697163"/>
-            <a:ext cx="4221163" cy="369887"/>
-          </a:xfrm>
-          <a:prstGeom prst="rect">
-            <a:avLst/>
-          </a:prstGeom>
-          <a:noFill/>
-          <a:ln>
-            <a:noFill/>
-          </a:ln>
-          <a:extLst>
-            <a:ext uri="{909E8E84-426E-40dd-AFC4-6F175D3DCCD1}">
-              <a14:hiddenFill xmlns:a14="http://schemas.microsoft.com/office/drawing/2010/main">
-                <a:solidFill>
-                  <a:srgbClr val="FFFFFF"/>
-                </a:solidFill>
-              </a14:hiddenFill>
-            </a:ext>
-            <a:ext uri="{91240B29-F687-4f45-9708-019B960494DF}">
-              <a14:hiddenLine xmlns:a14="http://schemas.microsoft.com/office/drawing/2010/main" w="9525">
-                <a:solidFill>
-                  <a:srgbClr val="000000"/>
-                </a:solidFill>
-                <a:miter lim="800000"/>
-                <a:headEnd/>
-                <a:tailEnd/>
-              </a14:hiddenLine>
-            </a:ext>
-          </a:extLst>
-        </p:spPr>
-        <p:txBody>
-          <a:bodyPr wrap="none">
-            <a:spAutoFit/>
-          </a:bodyPr>
-          <a:lstStyle>
-            <a:lvl1pPr eaLnBrk="0" hangingPunct="0">
-              <a:defRPr sz="2400">
-                <a:solidFill>
-                  <a:schemeClr val="tx1"/>
-                </a:solidFill>
-                <a:latin typeface="Arial" charset="0"/>
-                <a:ea typeface="ＭＳ Ｐゴシック" charset="0"/>
-                <a:cs typeface="ＭＳ Ｐゴシック" charset="0"/>
-              </a:defRPr>
-            </a:lvl1pPr>
-            <a:lvl2pPr marL="742950" indent="-285750" eaLnBrk="0" hangingPunct="0">
-              <a:defRPr sz="2400">
-                <a:solidFill>
-                  <a:schemeClr val="tx1"/>
-                </a:solidFill>
-                <a:latin typeface="Arial" charset="0"/>
-                <a:ea typeface="ＭＳ Ｐゴシック" charset="0"/>
-              </a:defRPr>
-            </a:lvl2pPr>
-            <a:lvl3pPr marL="1143000" indent="-228600" eaLnBrk="0" hangingPunct="0">
-              <a:defRPr sz="2400">
-                <a:solidFill>
-                  <a:schemeClr val="tx1"/>
-                </a:solidFill>
-                <a:latin typeface="Arial" charset="0"/>
-                <a:ea typeface="ＭＳ Ｐゴシック" charset="0"/>
-              </a:defRPr>
-            </a:lvl3pPr>
-            <a:lvl4pPr marL="1600200" indent="-228600" eaLnBrk="0" hangingPunct="0">
-              <a:defRPr sz="2400">
-                <a:solidFill>
-                  <a:schemeClr val="tx1"/>
-                </a:solidFill>
-                <a:latin typeface="Arial" charset="0"/>
-                <a:ea typeface="ＭＳ Ｐゴシック" charset="0"/>
-              </a:defRPr>
-            </a:lvl4pPr>
-            <a:lvl5pPr marL="2057400" indent="-228600" eaLnBrk="0" hangingPunct="0">
-              <a:defRPr sz="2400">
-                <a:solidFill>
-                  <a:schemeClr val="tx1"/>
-                </a:solidFill>
-                <a:latin typeface="Arial" charset="0"/>
-                <a:ea typeface="ＭＳ Ｐゴシック" charset="0"/>
-              </a:defRPr>
-            </a:lvl5pPr>
-            <a:lvl6pPr marL="2514600" indent="-228600" eaLnBrk="0" fontAlgn="base" hangingPunct="0">
-              <a:spcBef>
-                <a:spcPct val="0"/>
-              </a:spcBef>
-              <a:spcAft>
-                <a:spcPct val="0"/>
-              </a:spcAft>
-              <a:defRPr sz="2400">
-                <a:solidFill>
-                  <a:schemeClr val="tx1"/>
-                </a:solidFill>
-                <a:latin typeface="Arial" charset="0"/>
-                <a:ea typeface="ＭＳ Ｐゴシック" charset="0"/>
-              </a:defRPr>
-            </a:lvl6pPr>
-            <a:lvl7pPr marL="2971800" indent="-228600" eaLnBrk="0" fontAlgn="base" hangingPunct="0">
-              <a:spcBef>
-                <a:spcPct val="0"/>
-              </a:spcBef>
-              <a:spcAft>
-                <a:spcPct val="0"/>
-              </a:spcAft>
-              <a:defRPr sz="2400">
-                <a:solidFill>
-                  <a:schemeClr val="tx1"/>
-                </a:solidFill>
-                <a:latin typeface="Arial" charset="0"/>
-                <a:ea typeface="ＭＳ Ｐゴシック" charset="0"/>
-              </a:defRPr>
-            </a:lvl7pPr>
-            <a:lvl8pPr marL="3429000" indent="-228600" eaLnBrk="0" fontAlgn="base" hangingPunct="0">
-              <a:spcBef>
-                <a:spcPct val="0"/>
-              </a:spcBef>
-              <a:spcAft>
-                <a:spcPct val="0"/>
-              </a:spcAft>
-              <a:defRPr sz="2400">
-                <a:solidFill>
-                  <a:schemeClr val="tx1"/>
-                </a:solidFill>
-                <a:latin typeface="Arial" charset="0"/>
-                <a:ea typeface="ＭＳ Ｐゴシック" charset="0"/>
-              </a:defRPr>
-            </a:lvl8pPr>
-            <a:lvl9pPr marL="3886200" indent="-228600" eaLnBrk="0" fontAlgn="base" hangingPunct="0">
-              <a:spcBef>
-                <a:spcPct val="0"/>
-              </a:spcBef>
-              <a:spcAft>
-                <a:spcPct val="0"/>
-              </a:spcAft>
-              <a:defRPr sz="2400">
-                <a:solidFill>
-                  <a:schemeClr val="tx1"/>
-                </a:solidFill>
-                <a:latin typeface="Arial" charset="0"/>
-                <a:ea typeface="ＭＳ Ｐゴシック" charset="0"/>
-              </a:defRPr>
-            </a:lvl9pPr>
-          </a:lstStyle>
-          <a:p>
-            <a:pPr eaLnBrk="1" hangingPunct="1"/>
-            <a:r>
-              <a:rPr lang="en-US" sz="1800"/>
-              <a:t>Runtime analysis of Dijkstra</a:t>
-            </a:r>
-            <a:r>
-              <a:rPr lang="ja-JP" altLang="en-US" sz="1800"/>
-              <a:t>’</a:t>
-            </a:r>
-            <a:r>
-              <a:rPr lang="en-US" altLang="ja-JP" sz="1800"/>
-              <a:t>s Algorithm</a:t>
-            </a:r>
-            <a:endParaRPr lang="en-US" sz="1800"/>
-          </a:p>
-        </p:txBody>
-      </p:sp>
-    </p:spTree>
-    <p:extLst>
-      <p:ext uri="{BB962C8B-B14F-4D97-AF65-F5344CB8AC3E}">
-        <p14:creationId xmlns:p14="http://schemas.microsoft.com/office/powerpoint/2010/main" val="106378955"/>
-      </p:ext>
-    </p:extLst>
-  </p:cSld>
-  <p:clrMapOvr>
-    <a:masterClrMapping/>
-  </p:clrMapOvr>
-  <p:timing>
-    <p:tnLst>
-      <p:par>
-        <p:cTn xmlns:p14="http://schemas.microsoft.com/office/powerpoint/2010/main" id="1" dur="indefinite" restart="never" nodeType="tmRoot"/>
-      </p:par>
-    </p:tnLst>
-  </p:timing>
 </p:sld>
 </file>
 
@@ -9580,7 +9176,7 @@
           <p:spPr bwMode="auto">
             <a:xfrm>
               <a:off x="2260488" y="2489872"/>
-              <a:ext cx="242564" cy="283967"/>
+              <a:ext cx="242564" cy="283854"/>
             </a:xfrm>
             <a:prstGeom prst="rect">
               <a:avLst/>
@@ -9727,8 +9323,11 @@
                 <a:rPr lang="en-US" sz="1800">
                   <a:latin typeface="Calibri" charset="0"/>
                 </a:rPr>
-                <a:t>3</a:t>
+                <a:t>1</a:t>
               </a:r>
+              <a:endParaRPr lang="en-US" sz="1800">
+                <a:latin typeface="Calibri" charset="0"/>
+              </a:endParaRPr>
             </a:p>
           </p:txBody>
         </p:sp>
@@ -17195,8 +16794,8 @@
         </p:nvSpPr>
         <p:spPr>
           <a:xfrm>
-            <a:off x="0" y="4613275"/>
-            <a:ext cx="4572000" cy="2136775"/>
+            <a:off x="-1" y="4613275"/>
+            <a:ext cx="4765675" cy="2136775"/>
           </a:xfrm>
           <a:prstGeom prst="roundRect">
             <a:avLst/>
@@ -17873,7 +17472,7 @@
               <a:rPr lang="en-US" sz="1800">
                 <a:latin typeface="Calibri" charset="0"/>
               </a:rPr>
-              <a:t>While there is a </a:t>
+              <a:t>While there is an </a:t>
             </a:r>
             <a:r>
               <a:rPr lang="en-US" sz="1800">
